--- a/doc/Schaltplan.pptx
+++ b/doc/Schaltplan.pptx
@@ -261,7 +261,7 @@
           <a:p>
             <a:fld id="{B052D4C9-433A-7C4C-8BC5-B7E0BF7B5AA4}" type="datetimeFigureOut">
               <a:rPr lang="de-CH" smtClean="0"/>
-              <a:t>20.09.18</a:t>
+              <a:t>04.12.18</a:t>
             </a:fld>
             <a:endParaRPr lang="de-CH"/>
           </a:p>
@@ -315,7 +315,7 @@
           <a:p>
             <a:fld id="{4B775D7C-4160-294F-8F13-C90D77DC9EC9}" type="slidenum">
               <a:rPr lang="de-CH" smtClean="0"/>
-              <a:t>‹#›</a:t>
+              <a:t>‹Nr.›</a:t>
             </a:fld>
             <a:endParaRPr lang="de-CH"/>
           </a:p>
@@ -461,7 +461,7 @@
           <a:p>
             <a:fld id="{B052D4C9-433A-7C4C-8BC5-B7E0BF7B5AA4}" type="datetimeFigureOut">
               <a:rPr lang="de-CH" smtClean="0"/>
-              <a:t>20.09.18</a:t>
+              <a:t>04.12.18</a:t>
             </a:fld>
             <a:endParaRPr lang="de-CH"/>
           </a:p>
@@ -515,7 +515,7 @@
           <a:p>
             <a:fld id="{4B775D7C-4160-294F-8F13-C90D77DC9EC9}" type="slidenum">
               <a:rPr lang="de-CH" smtClean="0"/>
-              <a:t>‹#›</a:t>
+              <a:t>‹Nr.›</a:t>
             </a:fld>
             <a:endParaRPr lang="de-CH"/>
           </a:p>
@@ -671,7 +671,7 @@
           <a:p>
             <a:fld id="{B052D4C9-433A-7C4C-8BC5-B7E0BF7B5AA4}" type="datetimeFigureOut">
               <a:rPr lang="de-CH" smtClean="0"/>
-              <a:t>20.09.18</a:t>
+              <a:t>04.12.18</a:t>
             </a:fld>
             <a:endParaRPr lang="de-CH"/>
           </a:p>
@@ -725,7 +725,7 @@
           <a:p>
             <a:fld id="{4B775D7C-4160-294F-8F13-C90D77DC9EC9}" type="slidenum">
               <a:rPr lang="de-CH" smtClean="0"/>
-              <a:t>‹#›</a:t>
+              <a:t>‹Nr.›</a:t>
             </a:fld>
             <a:endParaRPr lang="de-CH"/>
           </a:p>
@@ -871,7 +871,7 @@
           <a:p>
             <a:fld id="{B052D4C9-433A-7C4C-8BC5-B7E0BF7B5AA4}" type="datetimeFigureOut">
               <a:rPr lang="de-CH" smtClean="0"/>
-              <a:t>20.09.18</a:t>
+              <a:t>04.12.18</a:t>
             </a:fld>
             <a:endParaRPr lang="de-CH"/>
           </a:p>
@@ -925,7 +925,7 @@
           <a:p>
             <a:fld id="{4B775D7C-4160-294F-8F13-C90D77DC9EC9}" type="slidenum">
               <a:rPr lang="de-CH" smtClean="0"/>
-              <a:t>‹#›</a:t>
+              <a:t>‹Nr.›</a:t>
             </a:fld>
             <a:endParaRPr lang="de-CH"/>
           </a:p>
@@ -1147,7 +1147,7 @@
           <a:p>
             <a:fld id="{B052D4C9-433A-7C4C-8BC5-B7E0BF7B5AA4}" type="datetimeFigureOut">
               <a:rPr lang="de-CH" smtClean="0"/>
-              <a:t>20.09.18</a:t>
+              <a:t>04.12.18</a:t>
             </a:fld>
             <a:endParaRPr lang="de-CH"/>
           </a:p>
@@ -1201,7 +1201,7 @@
           <a:p>
             <a:fld id="{4B775D7C-4160-294F-8F13-C90D77DC9EC9}" type="slidenum">
               <a:rPr lang="de-CH" smtClean="0"/>
-              <a:t>‹#›</a:t>
+              <a:t>‹Nr.›</a:t>
             </a:fld>
             <a:endParaRPr lang="de-CH"/>
           </a:p>
@@ -1415,7 +1415,7 @@
           <a:p>
             <a:fld id="{B052D4C9-433A-7C4C-8BC5-B7E0BF7B5AA4}" type="datetimeFigureOut">
               <a:rPr lang="de-CH" smtClean="0"/>
-              <a:t>20.09.18</a:t>
+              <a:t>04.12.18</a:t>
             </a:fld>
             <a:endParaRPr lang="de-CH"/>
           </a:p>
@@ -1469,7 +1469,7 @@
           <a:p>
             <a:fld id="{4B775D7C-4160-294F-8F13-C90D77DC9EC9}" type="slidenum">
               <a:rPr lang="de-CH" smtClean="0"/>
-              <a:t>‹#›</a:t>
+              <a:t>‹Nr.›</a:t>
             </a:fld>
             <a:endParaRPr lang="de-CH"/>
           </a:p>
@@ -1830,7 +1830,7 @@
           <a:p>
             <a:fld id="{B052D4C9-433A-7C4C-8BC5-B7E0BF7B5AA4}" type="datetimeFigureOut">
               <a:rPr lang="de-CH" smtClean="0"/>
-              <a:t>20.09.18</a:t>
+              <a:t>04.12.18</a:t>
             </a:fld>
             <a:endParaRPr lang="de-CH"/>
           </a:p>
@@ -1884,7 +1884,7 @@
           <a:p>
             <a:fld id="{4B775D7C-4160-294F-8F13-C90D77DC9EC9}" type="slidenum">
               <a:rPr lang="de-CH" smtClean="0"/>
-              <a:t>‹#›</a:t>
+              <a:t>‹Nr.›</a:t>
             </a:fld>
             <a:endParaRPr lang="de-CH"/>
           </a:p>
@@ -1972,7 +1972,7 @@
           <a:p>
             <a:fld id="{B052D4C9-433A-7C4C-8BC5-B7E0BF7B5AA4}" type="datetimeFigureOut">
               <a:rPr lang="de-CH" smtClean="0"/>
-              <a:t>20.09.18</a:t>
+              <a:t>04.12.18</a:t>
             </a:fld>
             <a:endParaRPr lang="de-CH"/>
           </a:p>
@@ -2026,7 +2026,7 @@
           <a:p>
             <a:fld id="{4B775D7C-4160-294F-8F13-C90D77DC9EC9}" type="slidenum">
               <a:rPr lang="de-CH" smtClean="0"/>
-              <a:t>‹#›</a:t>
+              <a:t>‹Nr.›</a:t>
             </a:fld>
             <a:endParaRPr lang="de-CH"/>
           </a:p>
@@ -2085,7 +2085,7 @@
           <a:p>
             <a:fld id="{B052D4C9-433A-7C4C-8BC5-B7E0BF7B5AA4}" type="datetimeFigureOut">
               <a:rPr lang="de-CH" smtClean="0"/>
-              <a:t>20.09.18</a:t>
+              <a:t>04.12.18</a:t>
             </a:fld>
             <a:endParaRPr lang="de-CH"/>
           </a:p>
@@ -2139,7 +2139,7 @@
           <a:p>
             <a:fld id="{4B775D7C-4160-294F-8F13-C90D77DC9EC9}" type="slidenum">
               <a:rPr lang="de-CH" smtClean="0"/>
-              <a:t>‹#›</a:t>
+              <a:t>‹Nr.›</a:t>
             </a:fld>
             <a:endParaRPr lang="de-CH"/>
           </a:p>
@@ -2398,7 +2398,7 @@
           <a:p>
             <a:fld id="{B052D4C9-433A-7C4C-8BC5-B7E0BF7B5AA4}" type="datetimeFigureOut">
               <a:rPr lang="de-CH" smtClean="0"/>
-              <a:t>20.09.18</a:t>
+              <a:t>04.12.18</a:t>
             </a:fld>
             <a:endParaRPr lang="de-CH"/>
           </a:p>
@@ -2452,7 +2452,7 @@
           <a:p>
             <a:fld id="{4B775D7C-4160-294F-8F13-C90D77DC9EC9}" type="slidenum">
               <a:rPr lang="de-CH" smtClean="0"/>
-              <a:t>‹#›</a:t>
+              <a:t>‹Nr.›</a:t>
             </a:fld>
             <a:endParaRPr lang="de-CH"/>
           </a:p>
@@ -2687,7 +2687,7 @@
           <a:p>
             <a:fld id="{B052D4C9-433A-7C4C-8BC5-B7E0BF7B5AA4}" type="datetimeFigureOut">
               <a:rPr lang="de-CH" smtClean="0"/>
-              <a:t>20.09.18</a:t>
+              <a:t>04.12.18</a:t>
             </a:fld>
             <a:endParaRPr lang="de-CH"/>
           </a:p>
@@ -2741,7 +2741,7 @@
           <a:p>
             <a:fld id="{4B775D7C-4160-294F-8F13-C90D77DC9EC9}" type="slidenum">
               <a:rPr lang="de-CH" smtClean="0"/>
-              <a:t>‹#›</a:t>
+              <a:t>‹Nr.›</a:t>
             </a:fld>
             <a:endParaRPr lang="de-CH"/>
           </a:p>
@@ -2930,7 +2930,7 @@
           <a:p>
             <a:fld id="{B052D4C9-433A-7C4C-8BC5-B7E0BF7B5AA4}" type="datetimeFigureOut">
               <a:rPr lang="de-CH" smtClean="0"/>
-              <a:t>20.09.18</a:t>
+              <a:t>04.12.18</a:t>
             </a:fld>
             <a:endParaRPr lang="de-CH"/>
           </a:p>
@@ -3020,7 +3020,7 @@
           <a:p>
             <a:fld id="{4B775D7C-4160-294F-8F13-C90D77DC9EC9}" type="slidenum">
               <a:rPr lang="de-CH" smtClean="0"/>
-              <a:t>‹#›</a:t>
+              <a:t>‹Nr.›</a:t>
             </a:fld>
             <a:endParaRPr lang="de-CH"/>
           </a:p>
@@ -3910,7 +3910,7 @@
         </p:nvSpPr>
         <p:spPr>
           <a:xfrm>
-            <a:off x="5906499" y="2353334"/>
+            <a:off x="6196367" y="2351923"/>
             <a:ext cx="202019" cy="180754"/>
           </a:xfrm>
           <a:prstGeom prst="ellipse">
@@ -4014,7 +4014,7 @@
         </p:nvSpPr>
         <p:spPr>
           <a:xfrm>
-            <a:off x="6189821" y="2330298"/>
+            <a:off x="6464144" y="2330298"/>
             <a:ext cx="202019" cy="180754"/>
           </a:xfrm>
           <a:prstGeom prst="ellipse">
@@ -4326,7 +4326,7 @@
         </p:nvSpPr>
         <p:spPr>
           <a:xfrm>
-            <a:off x="6450962" y="2349796"/>
+            <a:off x="6725285" y="2349796"/>
             <a:ext cx="202019" cy="180754"/>
           </a:xfrm>
           <a:prstGeom prst="ellipse">
@@ -4378,7 +4378,7 @@
         </p:nvSpPr>
         <p:spPr>
           <a:xfrm>
-            <a:off x="6733658" y="2330298"/>
+            <a:off x="6994918" y="2330298"/>
             <a:ext cx="202019" cy="180754"/>
           </a:xfrm>
           <a:prstGeom prst="ellipse">
@@ -4522,10 +4522,10 @@
       </p:sp>
       <p:cxnSp>
         <p:nvCxnSpPr>
-          <p:cNvPr id="34" name="Straight Connector 33">
-            <a:extLst>
-              <a:ext uri="{FF2B5EF4-FFF2-40B4-BE49-F238E27FC236}">
-                <a16:creationId xmlns:a16="http://schemas.microsoft.com/office/drawing/2014/main" id="{2D39D2EC-7958-DA4E-BA89-F9664EFFD3AC}"/>
+          <p:cNvPr id="37" name="Straight Connector 36">
+            <a:extLst>
+              <a:ext uri="{FF2B5EF4-FFF2-40B4-BE49-F238E27FC236}">
+                <a16:creationId xmlns:a16="http://schemas.microsoft.com/office/drawing/2014/main" id="{27D22B49-2781-3846-A4F5-8438568E5B1D}"/>
               </a:ext>
             </a:extLst>
           </p:cNvPr>
@@ -4535,9 +4535,100 @@
           <p:nvPr/>
         </p:nvCxnSpPr>
         <p:spPr>
+          <a:xfrm>
+            <a:off x="1615530" y="3005343"/>
+            <a:ext cx="12934" cy="283112"/>
+          </a:xfrm>
+          <a:prstGeom prst="line">
+            <a:avLst/>
+          </a:prstGeom>
+          <a:ln w="63500">
+            <a:solidFill>
+              <a:schemeClr val="tx1"/>
+            </a:solidFill>
+          </a:ln>
+        </p:spPr>
+        <p:style>
+          <a:lnRef idx="1">
+            <a:schemeClr val="accent1"/>
+          </a:lnRef>
+          <a:fillRef idx="0">
+            <a:schemeClr val="accent1"/>
+          </a:fillRef>
+          <a:effectRef idx="0">
+            <a:schemeClr val="accent1"/>
+          </a:effectRef>
+          <a:fontRef idx="minor">
+            <a:schemeClr val="tx1"/>
+          </a:fontRef>
+        </p:style>
+      </p:cxnSp>
+      <p:cxnSp>
+        <p:nvCxnSpPr>
+          <p:cNvPr id="40" name="Straight Connector 39">
+            <a:extLst>
+              <a:ext uri="{FF2B5EF4-FFF2-40B4-BE49-F238E27FC236}">
+                <a16:creationId xmlns:a16="http://schemas.microsoft.com/office/drawing/2014/main" id="{8D497F46-EB7E-6B4E-8266-6088C2731978}"/>
+              </a:ext>
+            </a:extLst>
+          </p:cNvPr>
+          <p:cNvCxnSpPr>
+            <a:cxnSpLocks/>
+          </p:cNvCxnSpPr>
+          <p:nvPr/>
+        </p:nvCxnSpPr>
+        <p:spPr>
+          <a:xfrm>
+            <a:off x="5171348" y="3002083"/>
+            <a:ext cx="297434" cy="7496"/>
+          </a:xfrm>
+          <a:prstGeom prst="line">
+            <a:avLst/>
+          </a:prstGeom>
+          <a:ln w="57150">
+            <a:solidFill>
+              <a:schemeClr val="accent6">
+                <a:lumMod val="75000"/>
+              </a:schemeClr>
+            </a:solidFill>
+            <a:prstDash val="sysDash"/>
+            <a:headEnd type="oval" w="med" len="med"/>
+            <a:tailEnd type="oval" w="med" len="med"/>
+          </a:ln>
+        </p:spPr>
+        <p:style>
+          <a:lnRef idx="1">
+            <a:schemeClr val="accent1"/>
+          </a:lnRef>
+          <a:fillRef idx="0">
+            <a:schemeClr val="accent1"/>
+          </a:fillRef>
+          <a:effectRef idx="0">
+            <a:schemeClr val="accent1"/>
+          </a:effectRef>
+          <a:fontRef idx="minor">
+            <a:schemeClr val="tx1"/>
+          </a:fontRef>
+        </p:style>
+      </p:cxnSp>
+      <p:cxnSp>
+        <p:nvCxnSpPr>
+          <p:cNvPr id="43" name="Straight Connector 42">
+            <a:extLst>
+              <a:ext uri="{FF2B5EF4-FFF2-40B4-BE49-F238E27FC236}">
+                <a16:creationId xmlns:a16="http://schemas.microsoft.com/office/drawing/2014/main" id="{7E89FA66-F672-774F-AF83-37894A1CBBFA}"/>
+              </a:ext>
+            </a:extLst>
+          </p:cNvPr>
+          <p:cNvCxnSpPr>
+            <a:cxnSpLocks/>
+          </p:cNvCxnSpPr>
+          <p:nvPr/>
+        </p:nvCxnSpPr>
+        <p:spPr>
           <a:xfrm flipH="1">
-            <a:off x="1336265" y="2740042"/>
-            <a:ext cx="274220" cy="14355"/>
+            <a:off x="5451560" y="2733131"/>
+            <a:ext cx="831765" cy="8203"/>
           </a:xfrm>
           <a:prstGeom prst="line">
             <a:avLst/>
@@ -4565,10 +4656,10 @@
       </p:cxnSp>
       <p:cxnSp>
         <p:nvCxnSpPr>
-          <p:cNvPr id="37" name="Straight Connector 36">
-            <a:extLst>
-              <a:ext uri="{FF2B5EF4-FFF2-40B4-BE49-F238E27FC236}">
-                <a16:creationId xmlns:a16="http://schemas.microsoft.com/office/drawing/2014/main" id="{27D22B49-2781-3846-A4F5-8438568E5B1D}"/>
+          <p:cNvPr id="46" name="Straight Connector 45">
+            <a:extLst>
+              <a:ext uri="{FF2B5EF4-FFF2-40B4-BE49-F238E27FC236}">
+                <a16:creationId xmlns:a16="http://schemas.microsoft.com/office/drawing/2014/main" id="{B0A92FC0-4287-D44E-8725-D64A3B33B8D6}"/>
               </a:ext>
             </a:extLst>
           </p:cNvPr>
@@ -4578,9 +4669,138 @@
           <p:nvPr/>
         </p:nvCxnSpPr>
         <p:spPr>
+          <a:xfrm flipH="1" flipV="1">
+            <a:off x="5455719" y="618285"/>
+            <a:ext cx="13063" cy="1858454"/>
+          </a:xfrm>
+          <a:prstGeom prst="line">
+            <a:avLst/>
+          </a:prstGeom>
+          <a:ln w="63500">
+            <a:solidFill>
+              <a:srgbClr val="00B050"/>
+            </a:solidFill>
+          </a:ln>
+        </p:spPr>
+        <p:style>
+          <a:lnRef idx="1">
+            <a:schemeClr val="accent1"/>
+          </a:lnRef>
+          <a:fillRef idx="0">
+            <a:schemeClr val="accent1"/>
+          </a:fillRef>
+          <a:effectRef idx="0">
+            <a:schemeClr val="accent1"/>
+          </a:effectRef>
+          <a:fontRef idx="minor">
+            <a:schemeClr val="tx1"/>
+          </a:fontRef>
+        </p:style>
+      </p:cxnSp>
+      <p:cxnSp>
+        <p:nvCxnSpPr>
+          <p:cNvPr id="49" name="Straight Connector 48">
+            <a:extLst>
+              <a:ext uri="{FF2B5EF4-FFF2-40B4-BE49-F238E27FC236}">
+                <a16:creationId xmlns:a16="http://schemas.microsoft.com/office/drawing/2014/main" id="{351B6C83-5BF1-A245-912B-7E00BEE03C7C}"/>
+              </a:ext>
+            </a:extLst>
+          </p:cNvPr>
+          <p:cNvCxnSpPr>
+            <a:cxnSpLocks/>
+          </p:cNvCxnSpPr>
+          <p:nvPr/>
+        </p:nvCxnSpPr>
+        <p:spPr>
           <a:xfrm>
-            <a:off x="1863727" y="3005343"/>
-            <a:ext cx="12934" cy="283112"/>
+            <a:off x="1288673" y="643686"/>
+            <a:ext cx="4192908" cy="0"/>
+          </a:xfrm>
+          <a:prstGeom prst="line">
+            <a:avLst/>
+          </a:prstGeom>
+          <a:ln w="63500">
+            <a:solidFill>
+              <a:srgbClr val="00B050"/>
+            </a:solidFill>
+          </a:ln>
+        </p:spPr>
+        <p:style>
+          <a:lnRef idx="1">
+            <a:schemeClr val="accent1"/>
+          </a:lnRef>
+          <a:fillRef idx="0">
+            <a:schemeClr val="accent1"/>
+          </a:fillRef>
+          <a:effectRef idx="0">
+            <a:schemeClr val="accent1"/>
+          </a:effectRef>
+          <a:fontRef idx="minor">
+            <a:schemeClr val="tx1"/>
+          </a:fontRef>
+        </p:style>
+      </p:cxnSp>
+      <p:cxnSp>
+        <p:nvCxnSpPr>
+          <p:cNvPr id="52" name="Straight Connector 51">
+            <a:extLst>
+              <a:ext uri="{FF2B5EF4-FFF2-40B4-BE49-F238E27FC236}">
+                <a16:creationId xmlns:a16="http://schemas.microsoft.com/office/drawing/2014/main" id="{8B271507-C7F5-9543-A393-0812D3974F98}"/>
+              </a:ext>
+            </a:extLst>
+          </p:cNvPr>
+          <p:cNvCxnSpPr>
+            <a:cxnSpLocks/>
+          </p:cNvCxnSpPr>
+          <p:nvPr/>
+        </p:nvCxnSpPr>
+        <p:spPr>
+          <a:xfrm flipH="1" flipV="1">
+            <a:off x="1316995" y="635219"/>
+            <a:ext cx="13063" cy="2165675"/>
+          </a:xfrm>
+          <a:prstGeom prst="line">
+            <a:avLst/>
+          </a:prstGeom>
+          <a:ln w="63500">
+            <a:solidFill>
+              <a:srgbClr val="00B050"/>
+            </a:solidFill>
+          </a:ln>
+        </p:spPr>
+        <p:style>
+          <a:lnRef idx="1">
+            <a:schemeClr val="accent1"/>
+          </a:lnRef>
+          <a:fillRef idx="0">
+            <a:schemeClr val="accent1"/>
+          </a:fillRef>
+          <a:effectRef idx="0">
+            <a:schemeClr val="accent1"/>
+          </a:effectRef>
+          <a:fontRef idx="minor">
+            <a:schemeClr val="tx1"/>
+          </a:fontRef>
+        </p:style>
+      </p:cxnSp>
+      <p:cxnSp>
+        <p:nvCxnSpPr>
+          <p:cNvPr id="59" name="Straight Connector 58">
+            <a:extLst>
+              <a:ext uri="{FF2B5EF4-FFF2-40B4-BE49-F238E27FC236}">
+                <a16:creationId xmlns:a16="http://schemas.microsoft.com/office/drawing/2014/main" id="{69D564C3-8758-9342-B731-2854F5CB45D0}"/>
+              </a:ext>
+            </a:extLst>
+          </p:cNvPr>
+          <p:cNvCxnSpPr>
+            <a:cxnSpLocks/>
+          </p:cNvCxnSpPr>
+          <p:nvPr/>
+        </p:nvCxnSpPr>
+        <p:spPr>
+          <a:xfrm>
+            <a:off x="6544585" y="2988967"/>
+            <a:ext cx="2228" cy="336758"/>
           </a:xfrm>
           <a:prstGeom prst="line">
             <a:avLst/>
@@ -4608,10 +4828,10 @@
       </p:cxnSp>
       <p:cxnSp>
         <p:nvCxnSpPr>
-          <p:cNvPr id="40" name="Straight Connector 39">
-            <a:extLst>
-              <a:ext uri="{FF2B5EF4-FFF2-40B4-BE49-F238E27FC236}">
-                <a16:creationId xmlns:a16="http://schemas.microsoft.com/office/drawing/2014/main" id="{8D497F46-EB7E-6B4E-8266-6088C2731978}"/>
+          <p:cNvPr id="62" name="Straight Connector 61">
+            <a:extLst>
+              <a:ext uri="{FF2B5EF4-FFF2-40B4-BE49-F238E27FC236}">
+                <a16:creationId xmlns:a16="http://schemas.microsoft.com/office/drawing/2014/main" id="{697539AB-9CA7-814A-8BD6-30667753AB8C}"/>
               </a:ext>
             </a:extLst>
           </p:cNvPr>
@@ -4621,267 +4841,9 @@
           <p:nvPr/>
         </p:nvCxnSpPr>
         <p:spPr>
-          <a:xfrm>
-            <a:off x="5171348" y="3002083"/>
-            <a:ext cx="297434" cy="7496"/>
-          </a:xfrm>
-          <a:prstGeom prst="line">
-            <a:avLst/>
-          </a:prstGeom>
-          <a:ln w="63500">
-            <a:solidFill>
-              <a:srgbClr val="00B050"/>
-            </a:solidFill>
-          </a:ln>
-        </p:spPr>
-        <p:style>
-          <a:lnRef idx="1">
-            <a:schemeClr val="accent1"/>
-          </a:lnRef>
-          <a:fillRef idx="0">
-            <a:schemeClr val="accent1"/>
-          </a:fillRef>
-          <a:effectRef idx="0">
-            <a:schemeClr val="accent1"/>
-          </a:effectRef>
-          <a:fontRef idx="minor">
-            <a:schemeClr val="tx1"/>
-          </a:fontRef>
-        </p:style>
-      </p:cxnSp>
-      <p:cxnSp>
-        <p:nvCxnSpPr>
-          <p:cNvPr id="43" name="Straight Connector 42">
-            <a:extLst>
-              <a:ext uri="{FF2B5EF4-FFF2-40B4-BE49-F238E27FC236}">
-                <a16:creationId xmlns:a16="http://schemas.microsoft.com/office/drawing/2014/main" id="{7E89FA66-F672-774F-AF83-37894A1CBBFA}"/>
-              </a:ext>
-            </a:extLst>
-          </p:cNvPr>
-          <p:cNvCxnSpPr>
-            <a:cxnSpLocks/>
-          </p:cNvCxnSpPr>
-          <p:nvPr/>
-        </p:nvCxnSpPr>
-        <p:spPr>
           <a:xfrm flipH="1">
-            <a:off x="5451559" y="2741334"/>
-            <a:ext cx="570043" cy="0"/>
-          </a:xfrm>
-          <a:prstGeom prst="line">
-            <a:avLst/>
-          </a:prstGeom>
-          <a:ln w="63500">
-            <a:solidFill>
-              <a:srgbClr val="00B050"/>
-            </a:solidFill>
-          </a:ln>
-        </p:spPr>
-        <p:style>
-          <a:lnRef idx="1">
-            <a:schemeClr val="accent1"/>
-          </a:lnRef>
-          <a:fillRef idx="0">
-            <a:schemeClr val="accent1"/>
-          </a:fillRef>
-          <a:effectRef idx="0">
-            <a:schemeClr val="accent1"/>
-          </a:effectRef>
-          <a:fontRef idx="minor">
-            <a:schemeClr val="tx1"/>
-          </a:fontRef>
-        </p:style>
-      </p:cxnSp>
-      <p:cxnSp>
-        <p:nvCxnSpPr>
-          <p:cNvPr id="46" name="Straight Connector 45">
-            <a:extLst>
-              <a:ext uri="{FF2B5EF4-FFF2-40B4-BE49-F238E27FC236}">
-                <a16:creationId xmlns:a16="http://schemas.microsoft.com/office/drawing/2014/main" id="{B0A92FC0-4287-D44E-8725-D64A3B33B8D6}"/>
-              </a:ext>
-            </a:extLst>
-          </p:cNvPr>
-          <p:cNvCxnSpPr>
-            <a:cxnSpLocks/>
-          </p:cNvCxnSpPr>
-          <p:nvPr/>
-        </p:nvCxnSpPr>
-        <p:spPr>
-          <a:xfrm flipH="1" flipV="1">
-            <a:off x="5455719" y="618285"/>
-            <a:ext cx="13063" cy="1858454"/>
-          </a:xfrm>
-          <a:prstGeom prst="line">
-            <a:avLst/>
-          </a:prstGeom>
-          <a:ln w="63500">
-            <a:solidFill>
-              <a:srgbClr val="00B050"/>
-            </a:solidFill>
-          </a:ln>
-        </p:spPr>
-        <p:style>
-          <a:lnRef idx="1">
-            <a:schemeClr val="accent1"/>
-          </a:lnRef>
-          <a:fillRef idx="0">
-            <a:schemeClr val="accent1"/>
-          </a:fillRef>
-          <a:effectRef idx="0">
-            <a:schemeClr val="accent1"/>
-          </a:effectRef>
-          <a:fontRef idx="minor">
-            <a:schemeClr val="tx1"/>
-          </a:fontRef>
-        </p:style>
-      </p:cxnSp>
-      <p:cxnSp>
-        <p:nvCxnSpPr>
-          <p:cNvPr id="49" name="Straight Connector 48">
-            <a:extLst>
-              <a:ext uri="{FF2B5EF4-FFF2-40B4-BE49-F238E27FC236}">
-                <a16:creationId xmlns:a16="http://schemas.microsoft.com/office/drawing/2014/main" id="{351B6C83-5BF1-A245-912B-7E00BEE03C7C}"/>
-              </a:ext>
-            </a:extLst>
-          </p:cNvPr>
-          <p:cNvCxnSpPr>
-            <a:cxnSpLocks/>
-          </p:cNvCxnSpPr>
-          <p:nvPr/>
-        </p:nvCxnSpPr>
-        <p:spPr>
-          <a:xfrm>
-            <a:off x="1288673" y="643686"/>
-            <a:ext cx="4192908" cy="0"/>
-          </a:xfrm>
-          <a:prstGeom prst="line">
-            <a:avLst/>
-          </a:prstGeom>
-          <a:ln w="63500">
-            <a:solidFill>
-              <a:srgbClr val="00B050"/>
-            </a:solidFill>
-          </a:ln>
-        </p:spPr>
-        <p:style>
-          <a:lnRef idx="1">
-            <a:schemeClr val="accent1"/>
-          </a:lnRef>
-          <a:fillRef idx="0">
-            <a:schemeClr val="accent1"/>
-          </a:fillRef>
-          <a:effectRef idx="0">
-            <a:schemeClr val="accent1"/>
-          </a:effectRef>
-          <a:fontRef idx="minor">
-            <a:schemeClr val="tx1"/>
-          </a:fontRef>
-        </p:style>
-      </p:cxnSp>
-      <p:cxnSp>
-        <p:nvCxnSpPr>
-          <p:cNvPr id="52" name="Straight Connector 51">
-            <a:extLst>
-              <a:ext uri="{FF2B5EF4-FFF2-40B4-BE49-F238E27FC236}">
-                <a16:creationId xmlns:a16="http://schemas.microsoft.com/office/drawing/2014/main" id="{8B271507-C7F5-9543-A393-0812D3974F98}"/>
-              </a:ext>
-            </a:extLst>
-          </p:cNvPr>
-          <p:cNvCxnSpPr>
-            <a:cxnSpLocks/>
-          </p:cNvCxnSpPr>
-          <p:nvPr/>
-        </p:nvCxnSpPr>
-        <p:spPr>
-          <a:xfrm flipV="1">
-            <a:off x="1316995" y="635219"/>
-            <a:ext cx="0" cy="1841522"/>
-          </a:xfrm>
-          <a:prstGeom prst="line">
-            <a:avLst/>
-          </a:prstGeom>
-          <a:ln w="63500">
-            <a:solidFill>
-              <a:srgbClr val="00B050"/>
-            </a:solidFill>
-          </a:ln>
-        </p:spPr>
-        <p:style>
-          <a:lnRef idx="1">
-            <a:schemeClr val="accent1"/>
-          </a:lnRef>
-          <a:fillRef idx="0">
-            <a:schemeClr val="accent1"/>
-          </a:fillRef>
-          <a:effectRef idx="0">
-            <a:schemeClr val="accent1"/>
-          </a:effectRef>
-          <a:fontRef idx="minor">
-            <a:schemeClr val="tx1"/>
-          </a:fontRef>
-        </p:style>
-      </p:cxnSp>
-      <p:cxnSp>
-        <p:nvCxnSpPr>
-          <p:cNvPr id="59" name="Straight Connector 58">
-            <a:extLst>
-              <a:ext uri="{FF2B5EF4-FFF2-40B4-BE49-F238E27FC236}">
-                <a16:creationId xmlns:a16="http://schemas.microsoft.com/office/drawing/2014/main" id="{69D564C3-8758-9342-B731-2854F5CB45D0}"/>
-              </a:ext>
-            </a:extLst>
-          </p:cNvPr>
-          <p:cNvCxnSpPr>
-            <a:cxnSpLocks/>
-          </p:cNvCxnSpPr>
-          <p:nvPr/>
-        </p:nvCxnSpPr>
-        <p:spPr>
-          <a:xfrm>
-            <a:off x="6283325" y="2988967"/>
-            <a:ext cx="2228" cy="336758"/>
-          </a:xfrm>
-          <a:prstGeom prst="line">
-            <a:avLst/>
-          </a:prstGeom>
-          <a:ln w="63500">
-            <a:solidFill>
-              <a:schemeClr val="tx1"/>
-            </a:solidFill>
-          </a:ln>
-        </p:spPr>
-        <p:style>
-          <a:lnRef idx="1">
-            <a:schemeClr val="accent1"/>
-          </a:lnRef>
-          <a:fillRef idx="0">
-            <a:schemeClr val="accent1"/>
-          </a:fillRef>
-          <a:effectRef idx="0">
-            <a:schemeClr val="accent1"/>
-          </a:effectRef>
-          <a:fontRef idx="minor">
-            <a:schemeClr val="tx1"/>
-          </a:fontRef>
-        </p:style>
-      </p:cxnSp>
-      <p:cxnSp>
-        <p:nvCxnSpPr>
-          <p:cNvPr id="62" name="Straight Connector 61">
-            <a:extLst>
-              <a:ext uri="{FF2B5EF4-FFF2-40B4-BE49-F238E27FC236}">
-                <a16:creationId xmlns:a16="http://schemas.microsoft.com/office/drawing/2014/main" id="{697539AB-9CA7-814A-8BD6-30667753AB8C}"/>
-              </a:ext>
-            </a:extLst>
-          </p:cNvPr>
-          <p:cNvCxnSpPr>
-            <a:cxnSpLocks/>
-          </p:cNvCxnSpPr>
-          <p:nvPr/>
-        </p:nvCxnSpPr>
-        <p:spPr>
-          <a:xfrm flipH="1">
-            <a:off x="2136053" y="3062744"/>
-            <a:ext cx="2220217" cy="0"/>
+            <a:off x="1850664" y="2775358"/>
+            <a:ext cx="2505607" cy="0"/>
           </a:xfrm>
           <a:prstGeom prst="line">
             <a:avLst/>
@@ -4923,8 +4885,8 @@
         </p:nvCxnSpPr>
         <p:spPr>
           <a:xfrm flipH="1">
-            <a:off x="2406865" y="2740500"/>
-            <a:ext cx="2245146" cy="0"/>
+            <a:off x="2190470" y="3027886"/>
+            <a:ext cx="2461541" cy="0"/>
           </a:xfrm>
           <a:prstGeom prst="line">
             <a:avLst/>
@@ -4967,7 +4929,7 @@
         <p:spPr>
           <a:xfrm>
             <a:off x="1700993" y="1638231"/>
-            <a:ext cx="424289" cy="1116166"/>
+            <a:ext cx="169860" cy="1395968"/>
           </a:xfrm>
           <a:prstGeom prst="line">
             <a:avLst/>
@@ -5121,9 +5083,9 @@
           <p:nvPr/>
         </p:nvCxnSpPr>
         <p:spPr>
-          <a:xfrm>
-            <a:off x="2175938" y="1967023"/>
-            <a:ext cx="230927" cy="1042556"/>
+          <a:xfrm flipH="1">
+            <a:off x="2140100" y="1967023"/>
+            <a:ext cx="35839" cy="807348"/>
           </a:xfrm>
           <a:prstGeom prst="line">
             <a:avLst/>
@@ -5208,8 +5170,8 @@
         </p:nvCxnSpPr>
         <p:spPr>
           <a:xfrm flipV="1">
-            <a:off x="6568875" y="2740500"/>
-            <a:ext cx="1289273" cy="13897"/>
+            <a:off x="6833773" y="2740501"/>
+            <a:ext cx="1024375" cy="2355"/>
           </a:xfrm>
           <a:prstGeom prst="line">
             <a:avLst/>
@@ -5251,8 +5213,8 @@
         </p:nvCxnSpPr>
         <p:spPr>
           <a:xfrm flipV="1">
-            <a:off x="6834667" y="3002561"/>
-            <a:ext cx="1023481" cy="6370"/>
+            <a:off x="7126125" y="3002561"/>
+            <a:ext cx="732023" cy="11892"/>
           </a:xfrm>
           <a:prstGeom prst="line">
             <a:avLst/>
@@ -5578,8 +5540,8 @@
         </p:nvCxnSpPr>
         <p:spPr>
           <a:xfrm>
-            <a:off x="3489640" y="4128972"/>
-            <a:ext cx="3094254" cy="1385592"/>
+            <a:off x="3243406" y="4134027"/>
+            <a:ext cx="1699045" cy="1412420"/>
           </a:xfrm>
           <a:prstGeom prst="line">
             <a:avLst/>
@@ -5610,23 +5572,22 @@
       </p:cxnSp>
       <p:cxnSp>
         <p:nvCxnSpPr>
-          <p:cNvPr id="119" name="Straight Connector 118">
-            <a:extLst>
-              <a:ext uri="{FF2B5EF4-FFF2-40B4-BE49-F238E27FC236}">
-                <a16:creationId xmlns:a16="http://schemas.microsoft.com/office/drawing/2014/main" id="{B95E4AAA-96C3-2A4F-BB5E-EC1019F621C1}"/>
+          <p:cNvPr id="121" name="Straight Connector 120">
+            <a:extLst>
+              <a:ext uri="{FF2B5EF4-FFF2-40B4-BE49-F238E27FC236}">
+                <a16:creationId xmlns:a16="http://schemas.microsoft.com/office/drawing/2014/main" id="{2CBA9413-15CB-6C4A-BF4C-2F9E07F15308}"/>
               </a:ext>
             </a:extLst>
           </p:cNvPr>
           <p:cNvCxnSpPr>
             <a:cxnSpLocks/>
-            <a:stCxn id="133" idx="2"/>
           </p:cNvCxnSpPr>
           <p:nvPr/>
         </p:nvCxnSpPr>
         <p:spPr>
           <a:xfrm>
-            <a:off x="3247729" y="4170920"/>
-            <a:ext cx="3102838" cy="1365735"/>
+            <a:off x="2964512" y="4108653"/>
+            <a:ext cx="1711840" cy="1387112"/>
           </a:xfrm>
           <a:prstGeom prst="line">
             <a:avLst/>
@@ -5655,67 +5616,21 @@
           </a:fontRef>
         </p:style>
       </p:cxnSp>
-      <p:cxnSp>
-        <p:nvCxnSpPr>
-          <p:cNvPr id="121" name="Straight Connector 120">
-            <a:extLst>
-              <a:ext uri="{FF2B5EF4-FFF2-40B4-BE49-F238E27FC236}">
-                <a16:creationId xmlns:a16="http://schemas.microsoft.com/office/drawing/2014/main" id="{2CBA9413-15CB-6C4A-BF4C-2F9E07F15308}"/>
-              </a:ext>
-            </a:extLst>
-          </p:cNvPr>
-          <p:cNvCxnSpPr>
-            <a:cxnSpLocks/>
-          </p:cNvCxnSpPr>
-          <p:nvPr/>
-        </p:nvCxnSpPr>
+      <p:sp>
+        <p:nvSpPr>
+          <p:cNvPr id="133" name="TextBox 132">
+            <a:extLst>
+              <a:ext uri="{FF2B5EF4-FFF2-40B4-BE49-F238E27FC236}">
+                <a16:creationId xmlns:a16="http://schemas.microsoft.com/office/drawing/2014/main" id="{0A31DB5B-6BFE-F142-8BF6-5B2989F37A91}"/>
+              </a:ext>
+            </a:extLst>
+          </p:cNvPr>
+          <p:cNvSpPr txBox="1"/>
+          <p:nvPr/>
+        </p:nvSpPr>
         <p:spPr>
           <a:xfrm>
-            <a:off x="3218816" y="4143871"/>
-            <a:ext cx="3090106" cy="1377885"/>
-          </a:xfrm>
-          <a:prstGeom prst="line">
-            <a:avLst/>
-          </a:prstGeom>
-          <a:ln w="63500">
-            <a:solidFill>
-              <a:schemeClr val="tx1">
-                <a:lumMod val="50000"/>
-                <a:lumOff val="50000"/>
-              </a:schemeClr>
-            </a:solidFill>
-          </a:ln>
-        </p:spPr>
-        <p:style>
-          <a:lnRef idx="1">
-            <a:schemeClr val="accent1"/>
-          </a:lnRef>
-          <a:fillRef idx="0">
-            <a:schemeClr val="accent1"/>
-          </a:fillRef>
-          <a:effectRef idx="0">
-            <a:schemeClr val="accent1"/>
-          </a:effectRef>
-          <a:fontRef idx="minor">
-            <a:schemeClr val="tx1"/>
-          </a:fontRef>
-        </p:style>
-      </p:cxnSp>
-      <p:sp>
-        <p:nvSpPr>
-          <p:cNvPr id="133" name="TextBox 132">
-            <a:extLst>
-              <a:ext uri="{FF2B5EF4-FFF2-40B4-BE49-F238E27FC236}">
-                <a16:creationId xmlns:a16="http://schemas.microsoft.com/office/drawing/2014/main" id="{0A31DB5B-6BFE-F142-8BF6-5B2989F37A91}"/>
-              </a:ext>
-            </a:extLst>
-          </p:cNvPr>
-          <p:cNvSpPr txBox="1"/>
-          <p:nvPr/>
-        </p:nvSpPr>
-        <p:spPr>
-          <a:xfrm>
-            <a:off x="2797770" y="3801588"/>
+            <a:off x="2799127" y="3749037"/>
             <a:ext cx="899917" cy="369332"/>
           </a:xfrm>
           <a:prstGeom prst="rect">
@@ -5847,7 +5762,7 @@
         </p:nvCxnSpPr>
         <p:spPr>
           <a:xfrm flipV="1">
-            <a:off x="2397074" y="3308422"/>
+            <a:off x="3513338" y="3353188"/>
             <a:ext cx="0" cy="533808"/>
           </a:xfrm>
           <a:prstGeom prst="line">
@@ -7294,7 +7209,7 @@
         </p:nvSpPr>
         <p:spPr>
           <a:xfrm rot="5400000">
-            <a:off x="4959263" y="5952905"/>
+            <a:off x="5518824" y="5952905"/>
             <a:ext cx="476573" cy="369332"/>
           </a:xfrm>
           <a:prstGeom prst="rect">
@@ -7329,7 +7244,7 @@
         </p:nvSpPr>
         <p:spPr>
           <a:xfrm rot="5400000">
-            <a:off x="7142975" y="6018337"/>
+            <a:off x="6019897" y="5996044"/>
             <a:ext cx="607437" cy="369332"/>
           </a:xfrm>
           <a:prstGeom prst="rect">
@@ -7364,7 +7279,7 @@
         </p:nvSpPr>
         <p:spPr>
           <a:xfrm rot="5400000">
-            <a:off x="7403479" y="6017652"/>
+            <a:off x="5743304" y="5996044"/>
             <a:ext cx="597666" cy="369332"/>
           </a:xfrm>
           <a:prstGeom prst="rect">
@@ -7434,7 +7349,7 @@
         </p:nvSpPr>
         <p:spPr>
           <a:xfrm rot="5400000">
-            <a:off x="6910872" y="6030993"/>
+            <a:off x="6336166" y="6005622"/>
             <a:ext cx="582008" cy="369332"/>
           </a:xfrm>
           <a:prstGeom prst="rect">
@@ -7469,7 +7384,7 @@
         </p:nvSpPr>
         <p:spPr>
           <a:xfrm rot="5400000">
-            <a:off x="4643492" y="5949921"/>
+            <a:off x="6938099" y="6016197"/>
             <a:ext cx="476573" cy="369332"/>
           </a:xfrm>
           <a:prstGeom prst="rect">
@@ -7595,14 +7510,14 @@
           </p:cNvPr>
           <p:cNvCxnSpPr>
             <a:cxnSpLocks/>
-            <a:stCxn id="283" idx="6"/>
+            <a:stCxn id="283" idx="7"/>
           </p:cNvCxnSpPr>
           <p:nvPr/>
         </p:nvCxnSpPr>
         <p:spPr>
           <a:xfrm flipV="1">
-            <a:off x="2345466" y="3308422"/>
-            <a:ext cx="596650" cy="3035151"/>
+            <a:off x="2236858" y="3247411"/>
+            <a:ext cx="4690446" cy="2851004"/>
           </a:xfrm>
           <a:prstGeom prst="line">
             <a:avLst/>
@@ -7639,14 +7554,14 @@
           </p:cNvPr>
           <p:cNvCxnSpPr>
             <a:cxnSpLocks/>
-            <a:endCxn id="283" idx="7"/>
+            <a:endCxn id="283" idx="6"/>
           </p:cNvCxnSpPr>
           <p:nvPr/>
         </p:nvCxnSpPr>
         <p:spPr>
           <a:xfrm flipH="1">
-            <a:off x="2236858" y="3570248"/>
-            <a:ext cx="443590" cy="2528167"/>
+            <a:off x="2345466" y="3562374"/>
+            <a:ext cx="4519368" cy="2781199"/>
           </a:xfrm>
           <a:prstGeom prst="line">
             <a:avLst/>
@@ -7781,7 +7696,7 @@
         </p:nvSpPr>
         <p:spPr>
           <a:xfrm rot="5400000">
-            <a:off x="3869652" y="6192486"/>
+            <a:off x="6959371" y="6205165"/>
             <a:ext cx="961700" cy="369332"/>
           </a:xfrm>
           <a:prstGeom prst="rect">
@@ -7816,7 +7731,7 @@
         </p:nvSpPr>
         <p:spPr>
           <a:xfrm rot="5400000">
-            <a:off x="4152803" y="6189409"/>
+            <a:off x="7216850" y="6111255"/>
             <a:ext cx="967855" cy="369332"/>
           </a:xfrm>
           <a:prstGeom prst="rect">
@@ -8308,8 +8223,8 @@
         </p:nvCxnSpPr>
         <p:spPr>
           <a:xfrm>
-            <a:off x="2953568" y="4135963"/>
-            <a:ext cx="3083461" cy="1382360"/>
+            <a:off x="2717200" y="4132022"/>
+            <a:ext cx="1654569" cy="1391056"/>
           </a:xfrm>
           <a:prstGeom prst="line">
             <a:avLst/>
@@ -8446,8 +8361,8 @@
         </p:nvCxnSpPr>
         <p:spPr>
           <a:xfrm flipH="1" flipV="1">
-            <a:off x="4625797" y="4402106"/>
-            <a:ext cx="3731272" cy="33262"/>
+            <a:off x="7396623" y="4430653"/>
+            <a:ext cx="974094" cy="4715"/>
           </a:xfrm>
           <a:prstGeom prst="line">
             <a:avLst/>
@@ -8492,8 +8407,8 @@
         </p:nvCxnSpPr>
         <p:spPr>
           <a:xfrm flipH="1" flipV="1">
-            <a:off x="4350502" y="4130971"/>
-            <a:ext cx="3895525" cy="7329"/>
+            <a:off x="7690555" y="4113065"/>
+            <a:ext cx="555474" cy="25236"/>
           </a:xfrm>
           <a:prstGeom prst="line">
             <a:avLst/>
@@ -8538,7 +8453,7 @@
         </p:nvCxnSpPr>
         <p:spPr>
           <a:xfrm>
-            <a:off x="4353869" y="4092457"/>
+            <a:off x="7690555" y="4092457"/>
             <a:ext cx="10434" cy="1456348"/>
           </a:xfrm>
           <a:prstGeom prst="line">
@@ -8584,7 +8499,7 @@
         </p:nvCxnSpPr>
         <p:spPr>
           <a:xfrm>
-            <a:off x="4635475" y="4402165"/>
+            <a:off x="7396623" y="4415228"/>
             <a:ext cx="24438" cy="1093600"/>
           </a:xfrm>
           <a:prstGeom prst="line">
@@ -8630,8 +8545,8 @@
         </p:nvCxnSpPr>
         <p:spPr>
           <a:xfrm>
-            <a:off x="2670538" y="4166445"/>
-            <a:ext cx="3083461" cy="1382360"/>
+            <a:off x="2420071" y="4135963"/>
+            <a:ext cx="1686343" cy="1387115"/>
           </a:xfrm>
           <a:prstGeom prst="line">
             <a:avLst/>
@@ -8854,7 +8769,7 @@
         </p:nvCxnSpPr>
         <p:spPr>
           <a:xfrm flipV="1">
-            <a:off x="6877897" y="1790270"/>
+            <a:off x="7138273" y="1838703"/>
             <a:ext cx="0" cy="1486530"/>
           </a:xfrm>
           <a:prstGeom prst="line">
@@ -8896,9 +8811,9 @@
           <p:nvPr/>
         </p:nvCxnSpPr>
         <p:spPr>
-          <a:xfrm flipH="1">
-            <a:off x="6864834" y="1816396"/>
-            <a:ext cx="1524808" cy="0"/>
+          <a:xfrm flipH="1" flipV="1">
+            <a:off x="7088689" y="1807535"/>
+            <a:ext cx="1300953" cy="8861"/>
           </a:xfrm>
           <a:prstGeom prst="line">
             <a:avLst/>
@@ -8924,6 +8839,112 @@
           </a:fontRef>
         </p:style>
       </p:cxnSp>
+      <p:sp>
+        <p:nvSpPr>
+          <p:cNvPr id="128" name="Oval 127">
+            <a:extLst>
+              <a:ext uri="{FF2B5EF4-FFF2-40B4-BE49-F238E27FC236}">
+                <a16:creationId xmlns:a16="http://schemas.microsoft.com/office/drawing/2014/main" id="{5F29E938-521A-F744-92C7-18C0533C45BE}"/>
+              </a:ext>
+            </a:extLst>
+          </p:cNvPr>
+          <p:cNvSpPr/>
+          <p:nvPr/>
+        </p:nvSpPr>
+        <p:spPr>
+          <a:xfrm>
+            <a:off x="1578524" y="4922316"/>
+            <a:ext cx="339073" cy="350956"/>
+          </a:xfrm>
+          <a:prstGeom prst="ellipse">
+            <a:avLst/>
+          </a:prstGeom>
+          <a:noFill/>
+          <a:ln w="63500">
+            <a:solidFill>
+              <a:srgbClr val="FFC000"/>
+            </a:solidFill>
+          </a:ln>
+        </p:spPr>
+        <p:style>
+          <a:lnRef idx="2">
+            <a:schemeClr val="accent1">
+              <a:shade val="50000"/>
+            </a:schemeClr>
+          </a:lnRef>
+          <a:fillRef idx="1">
+            <a:schemeClr val="accent1"/>
+          </a:fillRef>
+          <a:effectRef idx="0">
+            <a:schemeClr val="accent1"/>
+          </a:effectRef>
+          <a:fontRef idx="minor">
+            <a:schemeClr val="lt1"/>
+          </a:fontRef>
+        </p:style>
+        <p:txBody>
+          <a:bodyPr rtlCol="0" anchor="ctr"/>
+          <a:lstStyle/>
+          <a:p>
+            <a:pPr algn="ctr"/>
+            <a:endParaRPr lang="de-CH"/>
+          </a:p>
+        </p:txBody>
+      </p:sp>
+      <p:sp>
+        <p:nvSpPr>
+          <p:cNvPr id="16" name="Rectangle 15">
+            <a:extLst>
+              <a:ext uri="{FF2B5EF4-FFF2-40B4-BE49-F238E27FC236}">
+                <a16:creationId xmlns:a16="http://schemas.microsoft.com/office/drawing/2014/main" id="{7EDF459A-EE91-214B-8432-5B343CBD59B5}"/>
+              </a:ext>
+            </a:extLst>
+          </p:cNvPr>
+          <p:cNvSpPr/>
+          <p:nvPr/>
+        </p:nvSpPr>
+        <p:spPr>
+          <a:xfrm>
+            <a:off x="5087494" y="2904706"/>
+            <a:ext cx="490765" cy="207246"/>
+          </a:xfrm>
+          <a:prstGeom prst="rect">
+            <a:avLst/>
+          </a:prstGeom>
+          <a:noFill/>
+          <a:ln w="57150">
+            <a:solidFill>
+              <a:schemeClr val="accent6">
+                <a:lumMod val="50000"/>
+              </a:schemeClr>
+            </a:solidFill>
+          </a:ln>
+        </p:spPr>
+        <p:style>
+          <a:lnRef idx="2">
+            <a:schemeClr val="accent1">
+              <a:shade val="50000"/>
+            </a:schemeClr>
+          </a:lnRef>
+          <a:fillRef idx="1">
+            <a:schemeClr val="accent1"/>
+          </a:fillRef>
+          <a:effectRef idx="0">
+            <a:schemeClr val="accent1"/>
+          </a:effectRef>
+          <a:fontRef idx="minor">
+            <a:schemeClr val="lt1"/>
+          </a:fontRef>
+        </p:style>
+        <p:txBody>
+          <a:bodyPr rtlCol="0" anchor="ctr"/>
+          <a:lstStyle/>
+          <a:p>
+            <a:pPr algn="ctr"/>
+            <a:endParaRPr lang="en-US"/>
+          </a:p>
+        </p:txBody>
+      </p:sp>
     </p:spTree>
     <p:extLst>
       <p:ext uri="{BB962C8B-B14F-4D97-AF65-F5344CB8AC3E}">
